--- a/CS251-2025-S17-S18 , S23-S24-Abd El Rahman-20230391-20230109-20230244-Investment-Presentation.pptx
+++ b/CS251-2025-S17-S18 , S23-S24-Abd El Rahman-20230391-20230109-20230244-Investment-Presentation.pptx
@@ -140,7 +140,7 @@
   <pc:docChgLst>
     <pc:chgData name="STUD 20230391" userId="9c32b5e6f96e5cab" providerId="LiveId" clId="{CF0D144F-CE04-49C3-9FD1-E27A0591B35E}"/>
     <pc:docChg chg="custSel addSld modSld">
-      <pc:chgData name="STUD 20230391" userId="9c32b5e6f96e5cab" providerId="LiveId" clId="{CF0D144F-CE04-49C3-9FD1-E27A0591B35E}" dt="2025-05-13T02:18:51.358" v="183" actId="255"/>
+      <pc:chgData name="STUD 20230391" userId="9c32b5e6f96e5cab" providerId="LiveId" clId="{CF0D144F-CE04-49C3-9FD1-E27A0591B35E}" dt="2025-05-13T14:39:34.704" v="199" actId="20577"/>
       <pc:docMkLst>
         <pc:docMk/>
       </pc:docMkLst>
@@ -156,6 +156,29 @@
             <pc:docMk/>
             <pc:sldMk cId="1205794529" sldId="274"/>
             <ac:spMk id="3" creationId="{6556E9B1-8807-48CD-8138-798A8E2EC4F0}"/>
+          </ac:spMkLst>
+        </pc:spChg>
+      </pc:sldChg>
+      <pc:sldChg chg="addSp modSp mod">
+        <pc:chgData name="STUD 20230391" userId="9c32b5e6f96e5cab" providerId="LiveId" clId="{CF0D144F-CE04-49C3-9FD1-E27A0591B35E}" dt="2025-05-13T14:39:34.704" v="199" actId="20577"/>
+        <pc:sldMkLst>
+          <pc:docMk/>
+          <pc:sldMk cId="2229183849" sldId="287"/>
+        </pc:sldMkLst>
+        <pc:spChg chg="mod">
+          <ac:chgData name="STUD 20230391" userId="9c32b5e6f96e5cab" providerId="LiveId" clId="{CF0D144F-CE04-49C3-9FD1-E27A0591B35E}" dt="2025-05-13T14:39:34.704" v="199" actId="20577"/>
+          <ac:spMkLst>
+            <pc:docMk/>
+            <pc:sldMk cId="2229183849" sldId="287"/>
+            <ac:spMk id="3" creationId="{AE9B6FC9-BC5C-6935-508B-850BE36F8A78}"/>
+          </ac:spMkLst>
+        </pc:spChg>
+        <pc:spChg chg="add">
+          <ac:chgData name="STUD 20230391" userId="9c32b5e6f96e5cab" providerId="LiveId" clId="{CF0D144F-CE04-49C3-9FD1-E27A0591B35E}" dt="2025-05-13T14:38:45.281" v="189"/>
+          <ac:spMkLst>
+            <pc:docMk/>
+            <pc:sldMk cId="2229183849" sldId="287"/>
+            <ac:spMk id="4" creationId="{323019FE-8536-13F8-63AC-D937D9AB8B76}"/>
           </ac:spMkLst>
         </pc:spChg>
       </pc:sldChg>
@@ -5716,16 +5739,28 @@
             <a:pPr marL="0" indent="0">
               <a:buNone/>
             </a:pPr>
-            <a:endParaRPr lang="en-US" sz="1600" b="1" dirty="0">
-              <a:latin typeface="Arial" panose="020B0604020202020204" pitchFamily="34" charset="0"/>
-              <a:cs typeface="Arial" panose="020B0604020202020204" pitchFamily="34" charset="0"/>
-            </a:endParaRPr>
-          </a:p>
-          <a:p>
-            <a:pPr marL="0" indent="0">
-              <a:buNone/>
-            </a:pPr>
-            <a:endParaRPr lang="en-US" sz="1600" b="1" dirty="0">
+            <a:r>
+              <a:rPr lang="en-US" sz="1600" b="1" dirty="0">
+                <a:latin typeface="Arial" panose="020B0604020202020204" pitchFamily="34" charset="0"/>
+                <a:cs typeface="Arial" panose="020B0604020202020204" pitchFamily="34" charset="0"/>
+              </a:rPr>
+              <a:t>     </a:t>
+            </a:r>
+            <a:r>
+              <a:rPr lang="en-US" sz="1200" dirty="0">
+                <a:latin typeface="Arial" panose="020B0604020202020204" pitchFamily="34" charset="0"/>
+                <a:cs typeface="Arial" panose="020B0604020202020204" pitchFamily="34" charset="0"/>
+              </a:rPr>
+              <a:t>Prompt engineering is the skill of crafting clear and effective instructions to get accurate results from AI models like ChatGPT. It includes techniques like zero-shot, few-shot, chain-of-thought, and role-based prompting to improve responses. Mastering this skill is essential for using AI efficiently and unlocking its full </a:t>
+            </a:r>
+            <a:r>
+              <a:rPr lang="en-US" sz="1200">
+                <a:latin typeface="Arial" panose="020B0604020202020204" pitchFamily="34" charset="0"/>
+                <a:cs typeface="Arial" panose="020B0604020202020204" pitchFamily="34" charset="0"/>
+              </a:rPr>
+              <a:t>potential.</a:t>
+            </a:r>
+            <a:endParaRPr lang="en-US" sz="1200" dirty="0">
               <a:latin typeface="Arial" panose="020B0604020202020204" pitchFamily="34" charset="0"/>
               <a:cs typeface="Arial" panose="020B0604020202020204" pitchFamily="34" charset="0"/>
             </a:endParaRPr>
@@ -5991,13 +6026,13 @@
   <p:clrMapOvr>
     <a:masterClrMapping/>
   </p:clrMapOvr>
-  <mc:AlternateContent xmlns:mc="http://schemas.openxmlformats.org/markup-compatibility/2006">
-    <mc:Choice xmlns:p14="http://schemas.microsoft.com/office/powerpoint/2010/main" Requires="p14">
+  <mc:AlternateContent xmlns:mc="http://schemas.openxmlformats.org/markup-compatibility/2006" xmlns:p14="http://schemas.microsoft.com/office/powerpoint/2010/main">
+    <mc:Choice Requires="p14">
       <p:transition spd="slow" p14:dur="3400">
         <p14:reveal thruBlk="1" dir="r"/>
       </p:transition>
     </mc:Choice>
-    <mc:Fallback>
+    <mc:Fallback xmlns="">
       <p:transition spd="slow">
         <p:fade/>
       </p:transition>
